--- a/Bringing the Analog World to Digital Design_EC551_Final Project.pptx
+++ b/Bringing the Analog World to Digital Design_EC551_Final Project.pptx
@@ -2622,7 +2622,7 @@
           </a:ln>
           <a:extLst>
             <a:ext uri="{C572A759-6A51-4108-AA02-DFA0A04FC94B}">
-              <ma14:wrappingTextBoxFlag xmlns="" xmlns:m="http://schemas.openxmlformats.org/officeDocument/2006/math" xmlns:a14="http://schemas.microsoft.com/office/drawing/2010/main" xmlns:ma14="http://schemas.microsoft.com/office/mac/drawingml/2011/main" val="1"/>
+              <ma14:wrappingTextBoxFlag xmlns:ma14="http://schemas.microsoft.com/office/mac/drawingml/2011/main" xmlns:a14="http://schemas.microsoft.com/office/drawing/2010/main" xmlns:m="http://schemas.openxmlformats.org/officeDocument/2006/math" xmlns="" val="1"/>
             </a:ext>
           </a:extLst>
         </p:spPr>
@@ -2661,7 +2661,7 @@
           </a:ln>
           <a:extLst>
             <a:ext uri="{C572A759-6A51-4108-AA02-DFA0A04FC94B}">
-              <ma14:wrappingTextBoxFlag xmlns="" xmlns:m="http://schemas.openxmlformats.org/officeDocument/2006/math" xmlns:a14="http://schemas.microsoft.com/office/drawing/2010/main" xmlns:ma14="http://schemas.microsoft.com/office/mac/drawingml/2011/main" val="1"/>
+              <ma14:wrappingTextBoxFlag xmlns:ma14="http://schemas.microsoft.com/office/mac/drawingml/2011/main" xmlns:a14="http://schemas.microsoft.com/office/drawing/2010/main" xmlns:m="http://schemas.openxmlformats.org/officeDocument/2006/math" xmlns="" val="1"/>
             </a:ext>
           </a:extLst>
         </p:spPr>
@@ -3734,13 +3734,14 @@
           <a:p>
             <a:r>
               <a:rPr lang="en-US" dirty="0"/>
-              <a:t>Attribution </a:t>
-            </a:r>
-            <a:r>
-              <a:rPr lang="en-US"/>
-              <a:t>of successes</a:t>
-            </a:r>
-            <a:endParaRPr lang="en-US" dirty="0"/>
+              <a:t>Attribution of successes</a:t>
+            </a:r>
+          </a:p>
+          <a:p>
+            <a:r>
+              <a:rPr lang="en-US" dirty="0"/>
+              <a:t>Storing images in memory</a:t>
+            </a:r>
           </a:p>
         </p:txBody>
       </p:sp>
@@ -3840,6 +3841,17 @@
               <a:rPr lang="en-US" dirty="0"/>
               <a:t>Explain what we tried for each of these</a:t>
             </a:r>
+          </a:p>
+          <a:p>
+            <a:r>
+              <a:rPr lang="en-US" dirty="0"/>
+              <a:t>Replay the video of game </a:t>
+            </a:r>
+            <a:r>
+              <a:rPr lang="en-US" dirty="0" err="1"/>
+              <a:t>processsing</a:t>
+            </a:r>
+            <a:endParaRPr lang="en-US" dirty="0"/>
           </a:p>
         </p:txBody>
       </p:sp>
@@ -4679,7 +4691,10 @@
           <a:bodyPr/>
           <a:lstStyle/>
           <a:p>
-            <a:endParaRPr lang="en-US"/>
+            <a:r>
+              <a:rPr lang="en-US" dirty="0"/>
+              <a:t>Switch to game over menu or the last image of </a:t>
+            </a:r>
           </a:p>
         </p:txBody>
       </p:sp>
@@ -5065,25 +5080,130 @@
             </a:r>
           </a:p>
           <a:p>
+            <a:pPr lvl="1"/>
+            <a:r>
+              <a:rPr lang="en-US" dirty="0"/>
+              <a:t>Record the process of playing and replay it after game over</a:t>
+            </a:r>
+          </a:p>
+          <a:p>
             <a:r>
               <a:rPr lang="en-US" dirty="0"/>
               <a:t>Why didn’t it work?</a:t>
             </a:r>
           </a:p>
           <a:p>
+            <a:pPr lvl="1"/>
+            <a:r>
+              <a:rPr lang="en-US" dirty="0"/>
+              <a:t>Possible overwritten data </a:t>
+            </a:r>
+          </a:p>
+          <a:p>
+            <a:pPr lvl="1"/>
+            <a:r>
+              <a:rPr lang="en-US" dirty="0"/>
+              <a:t>The delay of redrawing is overlapped by next redrawing </a:t>
+            </a:r>
+          </a:p>
+          <a:p>
             <a:r>
               <a:rPr lang="en-US" dirty="0"/>
               <a:t>How does Quad SPI flash work?</a:t>
             </a:r>
           </a:p>
           <a:p>
+            <a:pPr lvl="1"/>
+            <a:r>
+              <a:rPr lang="en-US" dirty="0"/>
+              <a:t>Not suitable for saving data</a:t>
+            </a:r>
+          </a:p>
+          <a:p>
             <a:r>
               <a:rPr lang="en-US" dirty="0"/>
               <a:t>What did we end up doing instead?</a:t>
             </a:r>
           </a:p>
+          <a:p>
+            <a:pPr lvl="1"/>
+            <a:r>
+              <a:rPr lang="en-US" dirty="0"/>
+              <a:t>Saving images of game process such as when square hits the edge</a:t>
+            </a:r>
+          </a:p>
         </p:txBody>
       </p:sp>
+      <p:pic>
+        <p:nvPicPr>
+          <p:cNvPr id="5" name="Picture 4">
+            <a:extLst>
+              <a:ext uri="{FF2B5EF4-FFF2-40B4-BE49-F238E27FC236}">
+                <a16:creationId xmlns:a16="http://schemas.microsoft.com/office/drawing/2014/main" id="{1986732E-5267-4B74-84B8-2FF632E432F4}"/>
+              </a:ext>
+            </a:extLst>
+          </p:cNvPr>
+          <p:cNvPicPr>
+            <a:picLocks noChangeAspect="1"/>
+          </p:cNvPicPr>
+          <p:nvPr/>
+        </p:nvPicPr>
+        <p:blipFill rotWithShape="1">
+          <a:blip r:embed="rId2">
+            <a:extLst>
+              <a:ext uri="{28A0092B-C50C-407E-A947-70E740481C1C}">
+                <a14:useLocalDpi xmlns:a14="http://schemas.microsoft.com/office/drawing/2010/main" val="0"/>
+              </a:ext>
+            </a:extLst>
+          </a:blip>
+          <a:srcRect l="1" r="369" b="12396"/>
+          <a:stretch/>
+        </p:blipFill>
+        <p:spPr>
+          <a:xfrm>
+            <a:off x="2351382" y="5050905"/>
+            <a:ext cx="3379630" cy="1807095"/>
+          </a:xfrm>
+          <a:prstGeom prst="rect">
+            <a:avLst/>
+          </a:prstGeom>
+        </p:spPr>
+      </p:pic>
+      <p:pic>
+        <p:nvPicPr>
+          <p:cNvPr id="7" name="Picture 6">
+            <a:extLst>
+              <a:ext uri="{FF2B5EF4-FFF2-40B4-BE49-F238E27FC236}">
+                <a16:creationId xmlns:a16="http://schemas.microsoft.com/office/drawing/2014/main" id="{5889C0BD-15AF-4E0B-9DEA-E9AA6A7FEC24}"/>
+              </a:ext>
+            </a:extLst>
+          </p:cNvPr>
+          <p:cNvPicPr>
+            <a:picLocks noChangeAspect="1"/>
+          </p:cNvPicPr>
+          <p:nvPr/>
+        </p:nvPicPr>
+        <p:blipFill rotWithShape="1">
+          <a:blip r:embed="rId3">
+            <a:extLst>
+              <a:ext uri="{28A0092B-C50C-407E-A947-70E740481C1C}">
+                <a14:useLocalDpi xmlns:a14="http://schemas.microsoft.com/office/drawing/2010/main" val="0"/>
+              </a:ext>
+            </a:extLst>
+          </a:blip>
+          <a:srcRect r="15445" b="-1064"/>
+          <a:stretch/>
+        </p:blipFill>
+        <p:spPr>
+          <a:xfrm>
+            <a:off x="7518166" y="2613328"/>
+            <a:ext cx="3871885" cy="4124823"/>
+          </a:xfrm>
+          <a:prstGeom prst="rect">
+            <a:avLst/>
+          </a:prstGeom>
+        </p:spPr>
+      </p:pic>
     </p:spTree>
     <p:extLst>
       <p:ext uri="{BB962C8B-B14F-4D97-AF65-F5344CB8AC3E}">
